--- a/docs/Project_Presentation.pptx
+++ b/docs/Project_Presentation.pptx
@@ -25,7 +25,7 @@
   <p:notesSz cx="6858000" cy="9144000"/>
   <p:embeddedFontLst>
     <p:embeddedFont>
-      <p:font typeface="Century Schoolbook" panose="02040604050505020304" pitchFamily="18" charset="0"/>
+      <p:font typeface="Century Schoolbook" panose="020B0604020202020204" charset="0"/>
       <p:regular r:id="rId15"/>
       <p:bold r:id="rId16"/>
       <p:italic r:id="rId17"/>
@@ -479,6 +479,11 @@
         </p:txBody>
       </p:sp>
     </p:spTree>
+    <p:extLst>
+      <p:ext uri="{BB962C8B-B14F-4D97-AF65-F5344CB8AC3E}">
+        <p14:creationId xmlns:p14="http://schemas.microsoft.com/office/powerpoint/2010/main" val="1756277403"/>
+      </p:ext>
+    </p:extLst>
   </p:cSld>
   <p:clrMap bg1="lt1" tx1="dk1" bg2="dk2" tx2="lt2" accent1="accent1" accent2="accent2" accent3="accent3" accent4="accent4" accent5="accent5" accent6="accent6" hlink="hlink" folHlink="folHlink"/>
   <p:notesStyle>
@@ -810,6 +815,11 @@
         </p:spPr>
       </p:sp>
     </p:spTree>
+    <p:extLst>
+      <p:ext uri="{BB962C8B-B14F-4D97-AF65-F5344CB8AC3E}">
+        <p14:creationId xmlns:p14="http://schemas.microsoft.com/office/powerpoint/2010/main" val="679913580"/>
+      </p:ext>
+    </p:extLst>
   </p:cSld>
   <p:clrMapOvr>
     <a:masterClrMapping/>
@@ -914,6 +924,11 @@
         </p:spPr>
       </p:sp>
     </p:spTree>
+    <p:extLst>
+      <p:ext uri="{BB962C8B-B14F-4D97-AF65-F5344CB8AC3E}">
+        <p14:creationId xmlns:p14="http://schemas.microsoft.com/office/powerpoint/2010/main" val="1681124790"/>
+      </p:ext>
+    </p:extLst>
   </p:cSld>
   <p:clrMapOvr>
     <a:masterClrMapping/>
@@ -1018,6 +1033,11 @@
         </p:spPr>
       </p:sp>
     </p:spTree>
+    <p:extLst>
+      <p:ext uri="{BB962C8B-B14F-4D97-AF65-F5344CB8AC3E}">
+        <p14:creationId xmlns:p14="http://schemas.microsoft.com/office/powerpoint/2010/main" val="3903757753"/>
+      </p:ext>
+    </p:extLst>
   </p:cSld>
   <p:clrMapOvr>
     <a:masterClrMapping/>
@@ -1122,6 +1142,11 @@
         </p:spPr>
       </p:sp>
     </p:spTree>
+    <p:extLst>
+      <p:ext uri="{BB962C8B-B14F-4D97-AF65-F5344CB8AC3E}">
+        <p14:creationId xmlns:p14="http://schemas.microsoft.com/office/powerpoint/2010/main" val="534252654"/>
+      </p:ext>
+    </p:extLst>
   </p:cSld>
   <p:clrMapOvr>
     <a:masterClrMapping/>
@@ -1226,6 +1251,11 @@
         </p:spPr>
       </p:sp>
     </p:spTree>
+    <p:extLst>
+      <p:ext uri="{BB962C8B-B14F-4D97-AF65-F5344CB8AC3E}">
+        <p14:creationId xmlns:p14="http://schemas.microsoft.com/office/powerpoint/2010/main" val="789899454"/>
+      </p:ext>
+    </p:extLst>
   </p:cSld>
   <p:clrMapOvr>
     <a:masterClrMapping/>
@@ -1330,6 +1360,11 @@
         </p:spPr>
       </p:sp>
     </p:spTree>
+    <p:extLst>
+      <p:ext uri="{BB962C8B-B14F-4D97-AF65-F5344CB8AC3E}">
+        <p14:creationId xmlns:p14="http://schemas.microsoft.com/office/powerpoint/2010/main" val="3205240267"/>
+      </p:ext>
+    </p:extLst>
   </p:cSld>
   <p:clrMapOvr>
     <a:masterClrMapping/>
@@ -1434,6 +1469,11 @@
         </p:spPr>
       </p:sp>
     </p:spTree>
+    <p:extLst>
+      <p:ext uri="{BB962C8B-B14F-4D97-AF65-F5344CB8AC3E}">
+        <p14:creationId xmlns:p14="http://schemas.microsoft.com/office/powerpoint/2010/main" val="1987052858"/>
+      </p:ext>
+    </p:extLst>
   </p:cSld>
   <p:clrMapOvr>
     <a:masterClrMapping/>
@@ -1538,6 +1578,11 @@
         </p:spPr>
       </p:sp>
     </p:spTree>
+    <p:extLst>
+      <p:ext uri="{BB962C8B-B14F-4D97-AF65-F5344CB8AC3E}">
+        <p14:creationId xmlns:p14="http://schemas.microsoft.com/office/powerpoint/2010/main" val="3920613721"/>
+      </p:ext>
+    </p:extLst>
   </p:cSld>
   <p:clrMapOvr>
     <a:masterClrMapping/>
@@ -1642,6 +1687,11 @@
         </p:spPr>
       </p:sp>
     </p:spTree>
+    <p:extLst>
+      <p:ext uri="{BB962C8B-B14F-4D97-AF65-F5344CB8AC3E}">
+        <p14:creationId xmlns:p14="http://schemas.microsoft.com/office/powerpoint/2010/main" val="1274448903"/>
+      </p:ext>
+    </p:extLst>
   </p:cSld>
   <p:clrMapOvr>
     <a:masterClrMapping/>
@@ -1746,6 +1796,11 @@
         </p:spPr>
       </p:sp>
     </p:spTree>
+    <p:extLst>
+      <p:ext uri="{BB962C8B-B14F-4D97-AF65-F5344CB8AC3E}">
+        <p14:creationId xmlns:p14="http://schemas.microsoft.com/office/powerpoint/2010/main" val="1993525757"/>
+      </p:ext>
+    </p:extLst>
   </p:cSld>
   <p:clrMapOvr>
     <a:masterClrMapping/>
@@ -1850,6 +1905,11 @@
         </p:spPr>
       </p:sp>
     </p:spTree>
+    <p:extLst>
+      <p:ext uri="{BB962C8B-B14F-4D97-AF65-F5344CB8AC3E}">
+        <p14:creationId xmlns:p14="http://schemas.microsoft.com/office/powerpoint/2010/main" val="1529911951"/>
+      </p:ext>
+    </p:extLst>
   </p:cSld>
   <p:clrMapOvr>
     <a:masterClrMapping/>
@@ -5473,7 +5533,7 @@
           <p:cNvPr id="2" name="Title 1">
             <a:extLst>
               <a:ext uri="{FF2B5EF4-FFF2-40B4-BE49-F238E27FC236}">
-                <a16:creationId xmlns:a16="http://schemas.microsoft.com/office/drawing/2014/main" id="{3F6D1B98-2E1C-4B56-B03F-707EF56E2160}"/>
+                <a16:creationId xmlns="" xmlns:a16="http://schemas.microsoft.com/office/drawing/2014/main" id="{3F6D1B98-2E1C-4B56-B03F-707EF56E2160}"/>
               </a:ext>
             </a:extLst>
           </p:cNvPr>
@@ -5501,7 +5561,7 @@
           <p:cNvPr id="5" name="Text Placeholder 4">
             <a:extLst>
               <a:ext uri="{FF2B5EF4-FFF2-40B4-BE49-F238E27FC236}">
-                <a16:creationId xmlns:a16="http://schemas.microsoft.com/office/drawing/2014/main" id="{EE38175F-AC1B-476E-9B43-9284A4FE569C}"/>
+                <a16:creationId xmlns="" xmlns:a16="http://schemas.microsoft.com/office/drawing/2014/main" id="{EE38175F-AC1B-476E-9B43-9284A4FE569C}"/>
               </a:ext>
             </a:extLst>
           </p:cNvPr>
@@ -5544,24 +5604,221 @@
           </a:p>
           <a:p>
             <a:r>
-              <a:rPr lang="fi-FI" dirty="0">
+              <a:rPr lang="fi-FI" dirty="0" err="1" smtClean="0">
                 <a:solidFill>
-                  <a:schemeClr val="accent2"/>
+                  <a:schemeClr val="bg1"/>
                 </a:solidFill>
               </a:rPr>
-              <a:t>[Miten kirjoittaisi task 3-4:stä?]</a:t>
+              <a:t>Possible</a:t>
+            </a:r>
+            <a:r>
+              <a:rPr lang="fi-FI" dirty="0" smtClean="0">
+                <a:solidFill>
+                  <a:schemeClr val="bg1"/>
+                </a:solidFill>
+              </a:rPr>
+              <a:t> </a:t>
+            </a:r>
+            <a:r>
+              <a:rPr lang="fi-FI" dirty="0" err="1" smtClean="0">
+                <a:solidFill>
+                  <a:schemeClr val="bg1"/>
+                </a:solidFill>
+              </a:rPr>
+              <a:t>solutions</a:t>
+            </a:r>
+            <a:r>
+              <a:rPr lang="fi-FI" dirty="0" smtClean="0">
+                <a:solidFill>
+                  <a:schemeClr val="bg1"/>
+                </a:solidFill>
+              </a:rPr>
+              <a:t> for </a:t>
+            </a:r>
+            <a:r>
+              <a:rPr lang="fi-FI" dirty="0" err="1" smtClean="0">
+                <a:solidFill>
+                  <a:schemeClr val="bg1"/>
+                </a:solidFill>
+              </a:rPr>
+              <a:t>task</a:t>
+            </a:r>
+            <a:r>
+              <a:rPr lang="fi-FI" dirty="0" smtClean="0">
+                <a:solidFill>
+                  <a:schemeClr val="bg1"/>
+                </a:solidFill>
+              </a:rPr>
+              <a:t> 3:</a:t>
             </a:r>
           </a:p>
           <a:p>
             <a:pPr lvl="1"/>
             <a:r>
-              <a:rPr lang="fi-FI" dirty="0">
+              <a:rPr lang="fi-FI" dirty="0" err="1" smtClean="0">
                 <a:solidFill>
-                  <a:schemeClr val="accent2"/>
+                  <a:schemeClr val="bg1"/>
                 </a:solidFill>
               </a:rPr>
-              <a:t>Ratkaisut</a:t>
+              <a:t>There</a:t>
             </a:r>
+            <a:r>
+              <a:rPr lang="fi-FI" dirty="0" smtClean="0">
+                <a:solidFill>
+                  <a:schemeClr val="bg1"/>
+                </a:solidFill>
+              </a:rPr>
+              <a:t> is </a:t>
+            </a:r>
+            <a:r>
+              <a:rPr lang="fi-FI" dirty="0" err="1" smtClean="0">
+                <a:solidFill>
+                  <a:schemeClr val="bg1"/>
+                </a:solidFill>
+              </a:rPr>
+              <a:t>something</a:t>
+            </a:r>
+            <a:r>
+              <a:rPr lang="fi-FI" dirty="0" smtClean="0">
+                <a:solidFill>
+                  <a:schemeClr val="bg1"/>
+                </a:solidFill>
+              </a:rPr>
+              <a:t> </a:t>
+            </a:r>
+            <a:r>
+              <a:rPr lang="fi-FI" dirty="0" err="1" smtClean="0">
+                <a:solidFill>
+                  <a:schemeClr val="bg1"/>
+                </a:solidFill>
+              </a:rPr>
+              <a:t>wrong</a:t>
+            </a:r>
+            <a:r>
+              <a:rPr lang="fi-FI" dirty="0" smtClean="0">
+                <a:solidFill>
+                  <a:schemeClr val="bg1"/>
+                </a:solidFill>
+              </a:rPr>
+              <a:t> in </a:t>
+            </a:r>
+            <a:r>
+              <a:rPr lang="fi-FI" dirty="0" err="1" smtClean="0">
+                <a:solidFill>
+                  <a:schemeClr val="bg1"/>
+                </a:solidFill>
+              </a:rPr>
+              <a:t>our</a:t>
+            </a:r>
+            <a:r>
+              <a:rPr lang="fi-FI" dirty="0" smtClean="0">
+                <a:solidFill>
+                  <a:schemeClr val="bg1"/>
+                </a:solidFill>
+              </a:rPr>
+              <a:t> </a:t>
+            </a:r>
+            <a:r>
+              <a:rPr lang="fi-FI" dirty="0" err="1" smtClean="0">
+                <a:solidFill>
+                  <a:schemeClr val="bg1"/>
+                </a:solidFill>
+              </a:rPr>
+              <a:t>code</a:t>
+            </a:r>
+            <a:r>
+              <a:rPr lang="fi-FI" dirty="0" smtClean="0">
+                <a:solidFill>
+                  <a:schemeClr val="bg1"/>
+                </a:solidFill>
+              </a:rPr>
+              <a:t>, </a:t>
+            </a:r>
+            <a:r>
+              <a:rPr lang="fi-FI" dirty="0" err="1" smtClean="0">
+                <a:solidFill>
+                  <a:schemeClr val="bg1"/>
+                </a:solidFill>
+              </a:rPr>
+              <a:t>need</a:t>
+            </a:r>
+            <a:r>
+              <a:rPr lang="fi-FI" dirty="0" smtClean="0">
+                <a:solidFill>
+                  <a:schemeClr val="bg1"/>
+                </a:solidFill>
+              </a:rPr>
+              <a:t> to </a:t>
+            </a:r>
+            <a:r>
+              <a:rPr lang="fi-FI" dirty="0" err="1" smtClean="0">
+                <a:solidFill>
+                  <a:schemeClr val="bg1"/>
+                </a:solidFill>
+              </a:rPr>
+              <a:t>further</a:t>
+            </a:r>
+            <a:r>
+              <a:rPr lang="fi-FI" dirty="0" smtClean="0">
+                <a:solidFill>
+                  <a:schemeClr val="bg1"/>
+                </a:solidFill>
+              </a:rPr>
+              <a:t> </a:t>
+            </a:r>
+            <a:r>
+              <a:rPr lang="fi-FI" dirty="0" err="1" smtClean="0">
+                <a:solidFill>
+                  <a:schemeClr val="bg1"/>
+                </a:solidFill>
+              </a:rPr>
+              <a:t>investigte</a:t>
+            </a:r>
+            <a:r>
+              <a:rPr lang="fi-FI" dirty="0" smtClean="0">
+                <a:solidFill>
+                  <a:schemeClr val="bg1"/>
+                </a:solidFill>
+              </a:rPr>
+              <a:t> </a:t>
+            </a:r>
+            <a:r>
+              <a:rPr lang="fi-FI" dirty="0" err="1" smtClean="0">
+                <a:solidFill>
+                  <a:schemeClr val="bg1"/>
+                </a:solidFill>
+              </a:rPr>
+              <a:t>this</a:t>
+            </a:r>
+            <a:endParaRPr lang="fi-FI" dirty="0" smtClean="0">
+              <a:solidFill>
+                <a:schemeClr val="bg1"/>
+              </a:solidFill>
+            </a:endParaRPr>
+          </a:p>
+          <a:p>
+            <a:pPr lvl="1"/>
+            <a:r>
+              <a:rPr lang="en-US" dirty="0">
+                <a:solidFill>
+                  <a:schemeClr val="bg1"/>
+                </a:solidFill>
+              </a:rPr>
+              <a:t>Our approach is wrong, linear regression is not the way to tackle this problem</a:t>
+            </a:r>
+            <a:endParaRPr lang="fi-FI" dirty="0" smtClean="0">
+              <a:solidFill>
+                <a:schemeClr val="bg1"/>
+              </a:solidFill>
+            </a:endParaRPr>
+          </a:p>
+          <a:p>
+            <a:pPr lvl="1"/>
+            <a:endParaRPr lang="fi-FI" dirty="0">
+              <a:solidFill>
+                <a:schemeClr val="bg1"/>
+              </a:solidFill>
+            </a:endParaRPr>
           </a:p>
         </p:txBody>
       </p:sp>
@@ -5661,6 +5918,153 @@
                                           <p:spTgt spid="5">
                                             <p:txEl>
                                               <p:pRg st="2" end="2"/>
+                                            </p:txEl>
+                                          </p:spTgt>
+                                        </p:tgtEl>
+                                        <p:attrNameLst>
+                                          <p:attrName>style.visibility</p:attrName>
+                                        </p:attrNameLst>
+                                      </p:cBhvr>
+                                      <p:to>
+                                        <p:strVal val="visible"/>
+                                      </p:to>
+                                    </p:set>
+                                  </p:childTnLst>
+                                </p:cTn>
+                              </p:par>
+                            </p:childTnLst>
+                          </p:cTn>
+                        </p:par>
+                      </p:childTnLst>
+                    </p:cTn>
+                  </p:par>
+                  <p:par>
+                    <p:cTn id="11" fill="hold">
+                      <p:stCondLst>
+                        <p:cond delay="indefinite"/>
+                      </p:stCondLst>
+                      <p:childTnLst>
+                        <p:par>
+                          <p:cTn id="12" fill="hold">
+                            <p:stCondLst>
+                              <p:cond delay="0"/>
+                            </p:stCondLst>
+                            <p:childTnLst>
+                              <p:par>
+                                <p:cTn id="13" presetID="1" presetClass="entr" presetSubtype="0" fill="hold" nodeType="clickEffect">
+                                  <p:stCondLst>
+                                    <p:cond delay="0"/>
+                                  </p:stCondLst>
+                                  <p:childTnLst>
+                                    <p:set>
+                                      <p:cBhvr>
+                                        <p:cTn id="14" dur="1" fill="hold">
+                                          <p:stCondLst>
+                                            <p:cond delay="0"/>
+                                          </p:stCondLst>
+                                        </p:cTn>
+                                        <p:tgtEl>
+                                          <p:spTgt spid="5">
+                                            <p:txEl>
+                                              <p:pRg st="4" end="4"/>
+                                            </p:txEl>
+                                          </p:spTgt>
+                                        </p:tgtEl>
+                                        <p:attrNameLst>
+                                          <p:attrName>style.visibility</p:attrName>
+                                        </p:attrNameLst>
+                                      </p:cBhvr>
+                                      <p:to>
+                                        <p:strVal val="visible"/>
+                                      </p:to>
+                                    </p:set>
+                                  </p:childTnLst>
+                                </p:cTn>
+                              </p:par>
+                            </p:childTnLst>
+                          </p:cTn>
+                        </p:par>
+                      </p:childTnLst>
+                    </p:cTn>
+                  </p:par>
+                  <p:par>
+                    <p:cTn id="15" fill="hold">
+                      <p:stCondLst>
+                        <p:cond delay="indefinite"/>
+                      </p:stCondLst>
+                      <p:childTnLst>
+                        <p:par>
+                          <p:cTn id="16" fill="hold">
+                            <p:stCondLst>
+                              <p:cond delay="0"/>
+                            </p:stCondLst>
+                            <p:childTnLst>
+                              <p:par>
+                                <p:cTn id="17" presetID="1" presetClass="entr" presetSubtype="0" fill="hold" nodeType="clickEffect">
+                                  <p:stCondLst>
+                                    <p:cond delay="0"/>
+                                  </p:stCondLst>
+                                  <p:childTnLst>
+                                    <p:set>
+                                      <p:cBhvr>
+                                        <p:cTn id="18" dur="1" fill="hold">
+                                          <p:stCondLst>
+                                            <p:cond delay="0"/>
+                                          </p:stCondLst>
+                                        </p:cTn>
+                                        <p:tgtEl>
+                                          <p:spTgt spid="5">
+                                            <p:txEl>
+                                              <p:pRg st="5" end="5"/>
+                                            </p:txEl>
+                                          </p:spTgt>
+                                        </p:tgtEl>
+                                        <p:attrNameLst>
+                                          <p:attrName>style.visibility</p:attrName>
+                                        </p:attrNameLst>
+                                      </p:cBhvr>
+                                      <p:to>
+                                        <p:strVal val="visible"/>
+                                      </p:to>
+                                    </p:set>
+                                  </p:childTnLst>
+                                </p:cTn>
+                              </p:par>
+                            </p:childTnLst>
+                          </p:cTn>
+                        </p:par>
+                      </p:childTnLst>
+                    </p:cTn>
+                  </p:par>
+                  <p:par>
+                    <p:cTn id="19" fill="hold">
+                      <p:stCondLst>
+                        <p:cond delay="indefinite"/>
+                      </p:stCondLst>
+                      <p:childTnLst>
+                        <p:par>
+                          <p:cTn id="20" fill="hold">
+                            <p:stCondLst>
+                              <p:cond delay="0"/>
+                            </p:stCondLst>
+                            <p:childTnLst>
+                              <p:par>
+                                <p:cTn id="21" presetID="1" presetClass="entr" presetSubtype="0" fill="hold" nodeType="clickEffect">
+                                  <p:stCondLst>
+                                    <p:cond delay="0"/>
+                                  </p:stCondLst>
+                                  <p:childTnLst>
+                                    <p:set>
+                                      <p:cBhvr>
+                                        <p:cTn id="22" dur="1" fill="hold">
+                                          <p:stCondLst>
+                                            <p:cond delay="0"/>
+                                          </p:stCondLst>
+                                        </p:cTn>
+                                        <p:tgtEl>
+                                          <p:spTgt spid="5">
+                                            <p:txEl>
+                                              <p:pRg st="6" end="6"/>
                                             </p:txEl>
                                           </p:spTgt>
                                         </p:tgtEl>
@@ -7367,16 +7771,32 @@
               <a:buChar char="•"/>
             </a:pPr>
             <a:r>
-              <a:rPr lang="fi-FI" dirty="0">
+              <a:rPr lang="fi-FI" dirty="0" err="1" smtClean="0">
                 <a:solidFill>
-                  <a:schemeClr val="accent2"/>
+                  <a:schemeClr val="bg1"/>
                 </a:solidFill>
               </a:rPr>
-              <a:t>[Task 3?, documentation]</a:t>
+              <a:t>Task</a:t>
+            </a:r>
+            <a:r>
+              <a:rPr lang="fi-FI" dirty="0" smtClean="0">
+                <a:solidFill>
+                  <a:schemeClr val="bg1"/>
+                </a:solidFill>
+              </a:rPr>
+              <a:t> 3, </a:t>
+            </a:r>
+            <a:r>
+              <a:rPr lang="fi-FI" dirty="0" err="1" smtClean="0">
+                <a:solidFill>
+                  <a:schemeClr val="bg1"/>
+                </a:solidFill>
+              </a:rPr>
+              <a:t>documentation</a:t>
             </a:r>
             <a:endParaRPr dirty="0">
               <a:solidFill>
-                <a:schemeClr val="accent2"/>
+                <a:schemeClr val="bg1"/>
               </a:solidFill>
             </a:endParaRPr>
           </a:p>
@@ -8636,7 +9056,7 @@
         </p:nvSpPr>
         <p:spPr>
           <a:xfrm>
-            <a:off x="1261872" y="365760"/>
+            <a:off x="1261872" y="-650129"/>
             <a:ext cx="9692640" cy="1325562"/>
           </a:xfrm>
           <a:prstGeom prst="rect">
@@ -8741,7 +9161,7 @@
           <p:cNvPr id="3" name="Picture 2">
             <a:extLst>
               <a:ext uri="{FF2B5EF4-FFF2-40B4-BE49-F238E27FC236}">
-                <a16:creationId xmlns:a16="http://schemas.microsoft.com/office/drawing/2014/main" id="{86F9413E-9BE5-4BA4-A894-F640AD34124D}"/>
+                <a16:creationId xmlns="" xmlns:a16="http://schemas.microsoft.com/office/drawing/2014/main" id="{86F9413E-9BE5-4BA4-A894-F640AD34124D}"/>
               </a:ext>
             </a:extLst>
           </p:cNvPr>
@@ -8765,6 +9185,111 @@
           </a:prstGeom>
         </p:spPr>
       </p:pic>
+      <p:sp>
+        <p:nvSpPr>
+          <p:cNvPr id="2" name="Tekstiruutu 1"/>
+          <p:cNvSpPr txBox="1"/>
+          <p:nvPr/>
+        </p:nvSpPr>
+        <p:spPr>
+          <a:xfrm>
+            <a:off x="848070" y="675433"/>
+            <a:ext cx="9274628" cy="954107"/>
+          </a:xfrm>
+          <a:prstGeom prst="rect">
+            <a:avLst/>
+          </a:prstGeom>
+          <a:noFill/>
+        </p:spPr>
+        <p:txBody>
+          <a:bodyPr wrap="square" rtlCol="0">
+            <a:spAutoFit/>
+          </a:bodyPr>
+          <a:lstStyle/>
+          <a:p>
+            <a:r>
+              <a:rPr lang="en-US" dirty="0">
+                <a:solidFill>
+                  <a:schemeClr val="bg1"/>
+                </a:solidFill>
+              </a:rPr>
+              <a:t>Task is to quantify the good of fit of the </a:t>
+            </a:r>
+            <a:r>
+              <a:rPr lang="en-US" dirty="0" err="1">
+                <a:solidFill>
+                  <a:schemeClr val="bg1"/>
+                </a:solidFill>
+              </a:rPr>
+              <a:t>zipf’s</a:t>
+            </a:r>
+            <a:r>
+              <a:rPr lang="en-US" dirty="0">
+                <a:solidFill>
+                  <a:schemeClr val="bg1"/>
+                </a:solidFill>
+              </a:rPr>
+              <a:t> law. We fitted regression line on our data, log(</a:t>
+            </a:r>
+            <a:r>
+              <a:rPr lang="en-US" dirty="0" err="1">
+                <a:solidFill>
+                  <a:schemeClr val="bg1"/>
+                </a:solidFill>
+              </a:rPr>
+              <a:t>freq</a:t>
+            </a:r>
+            <a:r>
+              <a:rPr lang="en-US" dirty="0">
+                <a:solidFill>
+                  <a:schemeClr val="bg1"/>
+                </a:solidFill>
+              </a:rPr>
+              <a:t>) ~ log(Rank</a:t>
+            </a:r>
+            <a:r>
+              <a:rPr lang="en-US" dirty="0" smtClean="0">
+                <a:solidFill>
+                  <a:schemeClr val="bg1"/>
+                </a:solidFill>
+              </a:rPr>
+              <a:t>). To also further validate the </a:t>
+            </a:r>
+            <a:r>
+              <a:rPr lang="en-US" dirty="0" err="1" smtClean="0">
+                <a:solidFill>
+                  <a:schemeClr val="bg1"/>
+                </a:solidFill>
+              </a:rPr>
+              <a:t>Zipf’s</a:t>
+            </a:r>
+            <a:r>
+              <a:rPr lang="en-US" dirty="0">
+                <a:solidFill>
+                  <a:schemeClr val="bg1"/>
+                </a:solidFill>
+              </a:rPr>
+              <a:t> law, we would need to obtain some level of confidence intervals for our fitted line</a:t>
+            </a:r>
+            <a:r>
+              <a:rPr lang="en-US" dirty="0" smtClean="0">
+                <a:solidFill>
+                  <a:schemeClr val="bg1"/>
+                </a:solidFill>
+              </a:rPr>
+              <a:t>. As you can see below, it’s not working so well so far. </a:t>
+            </a:r>
+            <a:r>
+              <a:rPr lang="en-US" dirty="0"/>
+              <a:t/>
+            </a:r>
+            <a:br>
+              <a:rPr lang="en-US" dirty="0"/>
+            </a:br>
+            <a:endParaRPr lang="fi-FI" dirty="0"/>
+          </a:p>
+        </p:txBody>
+      </p:sp>
     </p:spTree>
   </p:cSld>
   <p:clrMapOvr>

--- a/docs/Project_Presentation.pptx
+++ b/docs/Project_Presentation.pptx
@@ -5,7 +5,7 @@
     <p:sldMasterId id="2147483648" r:id="rId1"/>
   </p:sldMasterIdLst>
   <p:notesMasterIdLst>
-    <p:notesMasterId r:id="rId14"/>
+    <p:notesMasterId r:id="rId15"/>
   </p:notesMasterIdLst>
   <p:sldIdLst>
     <p:sldId id="256" r:id="rId2"/>
@@ -17,19 +17,20 @@
     <p:sldId id="262" r:id="rId8"/>
     <p:sldId id="263" r:id="rId9"/>
     <p:sldId id="264" r:id="rId10"/>
-    <p:sldId id="265" r:id="rId11"/>
-    <p:sldId id="267" r:id="rId12"/>
-    <p:sldId id="266" r:id="rId13"/>
+    <p:sldId id="268" r:id="rId11"/>
+    <p:sldId id="265" r:id="rId12"/>
+    <p:sldId id="267" r:id="rId13"/>
+    <p:sldId id="266" r:id="rId14"/>
   </p:sldIdLst>
   <p:sldSz cx="12192000" cy="6858000"/>
   <p:notesSz cx="6858000" cy="9144000"/>
   <p:embeddedFontLst>
     <p:embeddedFont>
       <p:font typeface="Century Schoolbook" panose="02040604050505020304" pitchFamily="18" charset="0"/>
-      <p:regular r:id="rId15"/>
-      <p:bold r:id="rId16"/>
-      <p:italic r:id="rId17"/>
-      <p:boldItalic r:id="rId18"/>
+      <p:regular r:id="rId16"/>
+      <p:bold r:id="rId17"/>
+      <p:italic r:id="rId18"/>
+      <p:boldItalic r:id="rId19"/>
     </p:embeddedFont>
   </p:embeddedFontLst>
   <p:defaultTextStyle>
@@ -822,6 +823,292 @@
   <p:cSld>
     <p:spTree>
       <p:nvGrpSpPr>
+        <p:cNvPr id="1" name="Shape 163"/>
+        <p:cNvGrpSpPr/>
+        <p:nvPr/>
+      </p:nvGrpSpPr>
+      <p:grpSpPr>
+        <a:xfrm>
+          <a:off x="0" y="0"/>
+          <a:ext cx="0" cy="0"/>
+          <a:chOff x="0" y="0"/>
+          <a:chExt cx="0" cy="0"/>
+        </a:xfrm>
+      </p:grpSpPr>
+      <p:sp>
+        <p:nvSpPr>
+          <p:cNvPr id="164" name="Google Shape;164;p9:notes"/>
+          <p:cNvSpPr txBox="1">
+            <a:spLocks noGrp="1"/>
+          </p:cNvSpPr>
+          <p:nvPr>
+            <p:ph type="body" idx="1"/>
+          </p:nvPr>
+        </p:nvSpPr>
+        <p:spPr>
+          <a:xfrm>
+            <a:off x="685800" y="4343400"/>
+            <a:ext cx="5486400" cy="4114800"/>
+          </a:xfrm>
+          <a:prstGeom prst="rect">
+            <a:avLst/>
+          </a:prstGeom>
+        </p:spPr>
+        <p:txBody>
+          <a:bodyPr spcFirstLastPara="1" wrap="square" lIns="91425" tIns="91425" rIns="91425" bIns="91425" anchor="t" anchorCtr="0">
+            <a:noAutofit/>
+          </a:bodyPr>
+          <a:lstStyle/>
+          <a:p>
+            <a:pPr marL="0" lvl="0" indent="0" algn="l" rtl="0">
+              <a:spcBef>
+                <a:spcPts val="0"/>
+              </a:spcBef>
+              <a:spcAft>
+                <a:spcPts val="0"/>
+              </a:spcAft>
+              <a:buNone/>
+            </a:pPr>
+            <a:r>
+              <a:rPr lang="en-US" sz="1100" dirty="0">
+                <a:solidFill>
+                  <a:srgbClr val="FFFFFF"/>
+                </a:solidFill>
+                <a:latin typeface="Century Schoolbook"/>
+                <a:ea typeface="Century Schoolbook"/>
+                <a:cs typeface="Century Schoolbook"/>
+                <a:sym typeface="Century Schoolbook"/>
+              </a:rPr>
+              <a:t>To further validate the </a:t>
+            </a:r>
+            <a:r>
+              <a:rPr lang="en-US" sz="1100" dirty="0" err="1">
+                <a:solidFill>
+                  <a:srgbClr val="FFFFFF"/>
+                </a:solidFill>
+                <a:latin typeface="Century Schoolbook"/>
+                <a:ea typeface="Century Schoolbook"/>
+                <a:cs typeface="Century Schoolbook"/>
+                <a:sym typeface="Century Schoolbook"/>
+              </a:rPr>
+              <a:t>Zipf’s</a:t>
+            </a:r>
+            <a:r>
+              <a:rPr lang="en-US" sz="1100" dirty="0">
+                <a:solidFill>
+                  <a:srgbClr val="FFFFFF"/>
+                </a:solidFill>
+                <a:latin typeface="Century Schoolbook"/>
+                <a:ea typeface="Century Schoolbook"/>
+                <a:cs typeface="Century Schoolbook"/>
+                <a:sym typeface="Century Schoolbook"/>
+              </a:rPr>
+              <a:t> law, we would need to obtain some level of confidence intervals for our fitted line.</a:t>
+            </a:r>
+          </a:p>
+          <a:p>
+            <a:pPr marL="0" lvl="0" indent="0" algn="l" rtl="0">
+              <a:spcBef>
+                <a:spcPts val="0"/>
+              </a:spcBef>
+              <a:spcAft>
+                <a:spcPts val="0"/>
+              </a:spcAft>
+              <a:buNone/>
+            </a:pPr>
+            <a:endParaRPr lang="en-US" sz="1100" dirty="0">
+              <a:solidFill>
+                <a:srgbClr val="FFFFFF"/>
+              </a:solidFill>
+              <a:latin typeface="Century Schoolbook"/>
+              <a:ea typeface="Century Schoolbook"/>
+              <a:cs typeface="Century Schoolbook"/>
+              <a:sym typeface="Century Schoolbook"/>
+            </a:endParaRPr>
+          </a:p>
+          <a:p>
+            <a:pPr marL="0" lvl="0" indent="0" algn="l" rtl="0">
+              <a:spcBef>
+                <a:spcPts val="0"/>
+              </a:spcBef>
+              <a:spcAft>
+                <a:spcPts val="0"/>
+              </a:spcAft>
+              <a:buNone/>
+            </a:pPr>
+            <a:r>
+              <a:rPr lang="en-US" sz="1100" dirty="0">
+                <a:solidFill>
+                  <a:srgbClr val="FFFFFF"/>
+                </a:solidFill>
+                <a:latin typeface="Century Schoolbook"/>
+                <a:ea typeface="Century Schoolbook"/>
+                <a:cs typeface="Century Schoolbook"/>
+                <a:sym typeface="Century Schoolbook"/>
+              </a:rPr>
+              <a:t>We have not yet been able to do so, as seen in the figure below; all of our confidence boundaries are almost exactly equal to the fitted line. We have been working hard to get this right.</a:t>
+            </a:r>
+          </a:p>
+          <a:p>
+            <a:pPr marL="0" lvl="0" indent="0" algn="l" rtl="0">
+              <a:spcBef>
+                <a:spcPts val="0"/>
+              </a:spcBef>
+              <a:spcAft>
+                <a:spcPts val="0"/>
+              </a:spcAft>
+              <a:buNone/>
+            </a:pPr>
+            <a:endParaRPr lang="en-US" sz="1100" dirty="0">
+              <a:solidFill>
+                <a:srgbClr val="FFFFFF"/>
+              </a:solidFill>
+              <a:latin typeface="Century Schoolbook"/>
+              <a:ea typeface="Century Schoolbook"/>
+              <a:cs typeface="Century Schoolbook"/>
+              <a:sym typeface="Century Schoolbook"/>
+            </a:endParaRPr>
+          </a:p>
+          <a:p>
+            <a:pPr marL="0" lvl="0" indent="0" algn="l" rtl="0">
+              <a:spcBef>
+                <a:spcPts val="0"/>
+              </a:spcBef>
+              <a:spcAft>
+                <a:spcPts val="0"/>
+              </a:spcAft>
+              <a:buNone/>
+            </a:pPr>
+            <a:r>
+              <a:rPr lang="en-US" sz="1100" dirty="0">
+                <a:solidFill>
+                  <a:srgbClr val="FFFFFF"/>
+                </a:solidFill>
+                <a:latin typeface="Century Schoolbook"/>
+                <a:ea typeface="Century Schoolbook"/>
+                <a:cs typeface="Century Schoolbook"/>
+                <a:sym typeface="Century Schoolbook"/>
+              </a:rPr>
+              <a:t>Some possible solutions:</a:t>
+            </a:r>
+          </a:p>
+          <a:p>
+            <a:pPr marL="457200" lvl="0" indent="-336550" algn="l" rtl="0">
+              <a:spcBef>
+                <a:spcPts val="0"/>
+              </a:spcBef>
+              <a:spcAft>
+                <a:spcPts val="0"/>
+              </a:spcAft>
+              <a:buClr>
+                <a:srgbClr val="FFFFFF"/>
+              </a:buClr>
+              <a:buSzPts val="1700"/>
+              <a:buFont typeface="Century Schoolbook"/>
+              <a:buChar char="●"/>
+            </a:pPr>
+            <a:r>
+              <a:rPr lang="en-US" sz="1100" dirty="0">
+                <a:solidFill>
+                  <a:srgbClr val="FFFFFF"/>
+                </a:solidFill>
+                <a:latin typeface="Century Schoolbook"/>
+                <a:ea typeface="Century Schoolbook"/>
+                <a:cs typeface="Century Schoolbook"/>
+                <a:sym typeface="Century Schoolbook"/>
+              </a:rPr>
+              <a:t>There is something wrong in our coding</a:t>
+            </a:r>
+          </a:p>
+          <a:p>
+            <a:pPr marL="457200" lvl="0" indent="-336550" algn="l" rtl="0">
+              <a:spcBef>
+                <a:spcPts val="0"/>
+              </a:spcBef>
+              <a:spcAft>
+                <a:spcPts val="0"/>
+              </a:spcAft>
+              <a:buClr>
+                <a:srgbClr val="FFFFFF"/>
+              </a:buClr>
+              <a:buSzPts val="1700"/>
+              <a:buFont typeface="Century Schoolbook"/>
+              <a:buChar char="●"/>
+            </a:pPr>
+            <a:r>
+              <a:rPr lang="en-US" sz="1100" dirty="0">
+                <a:solidFill>
+                  <a:srgbClr val="FFFFFF"/>
+                </a:solidFill>
+                <a:latin typeface="Century Schoolbook"/>
+                <a:ea typeface="Century Schoolbook"/>
+                <a:cs typeface="Century Schoolbook"/>
+                <a:sym typeface="Century Schoolbook"/>
+              </a:rPr>
+              <a:t>Our approach is wrong, linear regression is not the way to tackle this problem</a:t>
+            </a:r>
+          </a:p>
+        </p:txBody>
+      </p:sp>
+      <p:sp>
+        <p:nvSpPr>
+          <p:cNvPr id="165" name="Google Shape;165;p9:notes"/>
+          <p:cNvSpPr>
+            <a:spLocks noGrp="1" noRot="1" noChangeAspect="1"/>
+          </p:cNvSpPr>
+          <p:nvPr>
+            <p:ph type="sldImg" idx="2"/>
+          </p:nvPr>
+        </p:nvSpPr>
+        <p:spPr>
+          <a:xfrm>
+            <a:off x="381000" y="685800"/>
+            <a:ext cx="6096000" cy="3429000"/>
+          </a:xfrm>
+          <a:custGeom>
+            <a:avLst/>
+            <a:gdLst/>
+            <a:ahLst/>
+            <a:cxnLst/>
+            <a:rect l="l" t="t" r="r" b="b"/>
+            <a:pathLst>
+              <a:path w="120000" h="120000" extrusionOk="0">
+                <a:moveTo>
+                  <a:pt x="0" y="0"/>
+                </a:moveTo>
+                <a:lnTo>
+                  <a:pt x="120000" y="0"/>
+                </a:lnTo>
+                <a:lnTo>
+                  <a:pt x="120000" y="120000"/>
+                </a:lnTo>
+                <a:lnTo>
+                  <a:pt x="0" y="120000"/>
+                </a:lnTo>
+                <a:close/>
+              </a:path>
+            </a:pathLst>
+          </a:custGeom>
+        </p:spPr>
+      </p:sp>
+    </p:spTree>
+    <p:extLst>
+      <p:ext uri="{BB962C8B-B14F-4D97-AF65-F5344CB8AC3E}">
+        <p14:creationId xmlns:p14="http://schemas.microsoft.com/office/powerpoint/2010/main" val="644255864"/>
+      </p:ext>
+    </p:extLst>
+  </p:cSld>
+  <p:clrMapOvr>
+    <a:masterClrMapping/>
+  </p:clrMapOvr>
+</p:notes>
+</file>
+
+<file path=ppt/notesSlides/notesSlide11.xml><?xml version="1.0" encoding="utf-8"?>
+<p:notes xmlns:a="http://schemas.openxmlformats.org/drawingml/2006/main" xmlns:r="http://schemas.openxmlformats.org/officeDocument/2006/relationships" xmlns:p="http://schemas.openxmlformats.org/presentationml/2006/main" showMasterSp="0" showMasterPhAnim="0">
+  <p:cSld>
+    <p:spTree>
+      <p:nvGrpSpPr>
         <p:cNvPr id="1" name="Shape 169"/>
         <p:cNvGrpSpPr/>
         <p:nvPr/>
@@ -921,7 +1208,7 @@
 </p:notes>
 </file>
 
-<file path=ppt/notesSlides/notesSlide11.xml><?xml version="1.0" encoding="utf-8"?>
+<file path=ppt/notesSlides/notesSlide12.xml><?xml version="1.0" encoding="utf-8"?>
 <p:notes xmlns:a="http://schemas.openxmlformats.org/drawingml/2006/main" xmlns:r="http://schemas.openxmlformats.org/officeDocument/2006/relationships" xmlns:p="http://schemas.openxmlformats.org/presentationml/2006/main" showMasterSp="0" showMasterPhAnim="0">
   <p:cSld>
     <p:spTree>
@@ -972,7 +1259,7 @@
               </a:spcAft>
               <a:buNone/>
             </a:pPr>
-            <a:endParaRPr/>
+            <a:endParaRPr dirty="0"/>
           </a:p>
         </p:txBody>
       </p:sp>
@@ -1795,16 +2082,178 @@
           </a:bodyPr>
           <a:lstStyle/>
           <a:p>
-            <a:pPr marL="0" lvl="0" indent="0" algn="l" rtl="0">
-              <a:spcBef>
-                <a:spcPts val="0"/>
-              </a:spcBef>
-              <a:spcAft>
-                <a:spcPts val="0"/>
-              </a:spcAft>
-              <a:buNone/>
+            <a:pPr marL="0" marR="0" lvl="0" indent="0" algn="l" defTabSz="914400" rtl="0" eaLnBrk="1" fontAlgn="auto" latinLnBrk="0" hangingPunct="1">
+              <a:lnSpc>
+                <a:spcPct val="100000"/>
+              </a:lnSpc>
+              <a:spcBef>
+                <a:spcPts val="0"/>
+              </a:spcBef>
+              <a:spcAft>
+                <a:spcPts val="0"/>
+              </a:spcAft>
+              <a:buClr>
+                <a:srgbClr val="000000"/>
+              </a:buClr>
+              <a:buSzPts val="1100"/>
+              <a:buFont typeface="Arial"/>
+              <a:buNone/>
+              <a:tabLst/>
+              <a:defRPr/>
             </a:pPr>
-            <a:endParaRPr/>
+            <a:r>
+              <a:rPr lang="en-US" sz="1100" dirty="0">
+                <a:solidFill>
+                  <a:srgbClr val="FFFFFF"/>
+                </a:solidFill>
+                <a:latin typeface="Century Schoolbook"/>
+                <a:ea typeface="Century Schoolbook"/>
+                <a:cs typeface="Century Schoolbook"/>
+                <a:sym typeface="Century Schoolbook"/>
+              </a:rPr>
+              <a:t>Task is to quantify the goodness of fit of </a:t>
+            </a:r>
+            <a:r>
+              <a:rPr lang="en-US" sz="1100" dirty="0" err="1">
+                <a:solidFill>
+                  <a:srgbClr val="FFFFFF"/>
+                </a:solidFill>
+                <a:latin typeface="Century Schoolbook"/>
+                <a:ea typeface="Century Schoolbook"/>
+                <a:cs typeface="Century Schoolbook"/>
+                <a:sym typeface="Century Schoolbook"/>
+              </a:rPr>
+              <a:t>Zipf’s</a:t>
+            </a:r>
+            <a:r>
+              <a:rPr lang="en-US" sz="1100" dirty="0">
+                <a:solidFill>
+                  <a:srgbClr val="FFFFFF"/>
+                </a:solidFill>
+                <a:latin typeface="Century Schoolbook"/>
+                <a:ea typeface="Century Schoolbook"/>
+                <a:cs typeface="Century Schoolbook"/>
+                <a:sym typeface="Century Schoolbook"/>
+              </a:rPr>
+              <a:t> law.</a:t>
+            </a:r>
+          </a:p>
+          <a:p>
+            <a:pPr marL="0" marR="0" lvl="0" indent="0" algn="l" defTabSz="914400" rtl="0" eaLnBrk="1" fontAlgn="auto" latinLnBrk="0" hangingPunct="1">
+              <a:lnSpc>
+                <a:spcPct val="100000"/>
+              </a:lnSpc>
+              <a:spcBef>
+                <a:spcPts val="0"/>
+              </a:spcBef>
+              <a:spcAft>
+                <a:spcPts val="0"/>
+              </a:spcAft>
+              <a:buClr>
+                <a:srgbClr val="000000"/>
+              </a:buClr>
+              <a:buSzPts val="1100"/>
+              <a:buFont typeface="Arial"/>
+              <a:buNone/>
+              <a:tabLst/>
+              <a:defRPr/>
+            </a:pPr>
+            <a:endParaRPr lang="en-US" sz="1100" dirty="0">
+              <a:solidFill>
+                <a:srgbClr val="FFFFFF"/>
+              </a:solidFill>
+              <a:latin typeface="Century Schoolbook"/>
+              <a:ea typeface="Century Schoolbook"/>
+              <a:cs typeface="Century Schoolbook"/>
+              <a:sym typeface="Century Schoolbook"/>
+            </a:endParaRPr>
+          </a:p>
+          <a:p>
+            <a:pPr marL="0" marR="0" lvl="0" indent="0" algn="l" defTabSz="914400" rtl="0" eaLnBrk="1" fontAlgn="auto" latinLnBrk="0" hangingPunct="1">
+              <a:lnSpc>
+                <a:spcPct val="100000"/>
+              </a:lnSpc>
+              <a:spcBef>
+                <a:spcPts val="0"/>
+              </a:spcBef>
+              <a:spcAft>
+                <a:spcPts val="0"/>
+              </a:spcAft>
+              <a:buClr>
+                <a:srgbClr val="000000"/>
+              </a:buClr>
+              <a:buSzPts val="1100"/>
+              <a:buFont typeface="Arial"/>
+              <a:buNone/>
+              <a:tabLst/>
+              <a:defRPr/>
+            </a:pPr>
+            <a:r>
+              <a:rPr lang="en-US" sz="1100" dirty="0">
+                <a:solidFill>
+                  <a:srgbClr val="FFFFFF"/>
+                </a:solidFill>
+                <a:latin typeface="Century Schoolbook"/>
+                <a:ea typeface="Century Schoolbook"/>
+                <a:cs typeface="Century Schoolbook"/>
+                <a:sym typeface="Century Schoolbook"/>
+              </a:rPr>
+              <a:t>We fitted regression line on our data, log(</a:t>
+            </a:r>
+            <a:r>
+              <a:rPr lang="en-US" sz="1100" dirty="0" err="1">
+                <a:solidFill>
+                  <a:srgbClr val="FFFFFF"/>
+                </a:solidFill>
+                <a:latin typeface="Century Schoolbook"/>
+                <a:ea typeface="Century Schoolbook"/>
+                <a:cs typeface="Century Schoolbook"/>
+                <a:sym typeface="Century Schoolbook"/>
+              </a:rPr>
+              <a:t>freq</a:t>
+            </a:r>
+            <a:r>
+              <a:rPr lang="en-US" sz="1100" dirty="0">
+                <a:solidFill>
+                  <a:srgbClr val="FFFFFF"/>
+                </a:solidFill>
+                <a:latin typeface="Century Schoolbook"/>
+                <a:ea typeface="Century Schoolbook"/>
+                <a:cs typeface="Century Schoolbook"/>
+                <a:sym typeface="Century Schoolbook"/>
+              </a:rPr>
+              <a:t>) ~ log(Rank) and the fitted line can be seen as orange in the figure.</a:t>
+            </a:r>
+          </a:p>
+          <a:p>
+            <a:pPr marL="0" marR="0" lvl="0" indent="0" algn="l" defTabSz="914400" rtl="0" eaLnBrk="1" fontAlgn="auto" latinLnBrk="0" hangingPunct="1">
+              <a:lnSpc>
+                <a:spcPct val="100000"/>
+              </a:lnSpc>
+              <a:spcBef>
+                <a:spcPts val="0"/>
+              </a:spcBef>
+              <a:spcAft>
+                <a:spcPts val="0"/>
+              </a:spcAft>
+              <a:buClr>
+                <a:srgbClr val="000000"/>
+              </a:buClr>
+              <a:buSzPts val="1100"/>
+              <a:buFont typeface="Arial"/>
+              <a:buNone/>
+              <a:tabLst/>
+              <a:defRPr/>
+            </a:pPr>
+            <a:endParaRPr lang="en-US" sz="1100" dirty="0">
+              <a:solidFill>
+                <a:srgbClr val="FFFFFF"/>
+              </a:solidFill>
+              <a:latin typeface="Century Schoolbook"/>
+              <a:ea typeface="Century Schoolbook"/>
+              <a:cs typeface="Century Schoolbook"/>
+              <a:sym typeface="Century Schoolbook"/>
+            </a:endParaRPr>
           </a:p>
         </p:txBody>
       </p:sp>
@@ -5308,6 +5757,184 @@
     </p:bg>
     <p:spTree>
       <p:nvGrpSpPr>
+        <p:cNvPr id="1" name="Shape 166"/>
+        <p:cNvGrpSpPr/>
+        <p:nvPr/>
+      </p:nvGrpSpPr>
+      <p:grpSpPr>
+        <a:xfrm>
+          <a:off x="0" y="0"/>
+          <a:ext cx="0" cy="0"/>
+          <a:chOff x="0" y="0"/>
+          <a:chExt cx="0" cy="0"/>
+        </a:xfrm>
+      </p:grpSpPr>
+      <p:sp>
+        <p:nvSpPr>
+          <p:cNvPr id="167" name="Google Shape;167;p9"/>
+          <p:cNvSpPr txBox="1">
+            <a:spLocks noGrp="1"/>
+          </p:cNvSpPr>
+          <p:nvPr>
+            <p:ph type="title"/>
+          </p:nvPr>
+        </p:nvSpPr>
+        <p:spPr>
+          <a:xfrm>
+            <a:off x="1261872" y="129310"/>
+            <a:ext cx="9692640" cy="1324904"/>
+          </a:xfrm>
+          <a:prstGeom prst="rect">
+            <a:avLst/>
+          </a:prstGeom>
+          <a:noFill/>
+          <a:ln>
+            <a:noFill/>
+          </a:ln>
+        </p:spPr>
+        <p:txBody>
+          <a:bodyPr spcFirstLastPara="1" wrap="square" lIns="91425" tIns="45700" rIns="91425" bIns="45700" anchor="b" anchorCtr="0">
+            <a:normAutofit/>
+          </a:bodyPr>
+          <a:lstStyle/>
+          <a:p>
+            <a:pPr marL="0" lvl="0" indent="0" algn="l" rtl="0">
+              <a:lnSpc>
+                <a:spcPct val="90000"/>
+              </a:lnSpc>
+              <a:spcBef>
+                <a:spcPts val="0"/>
+              </a:spcBef>
+              <a:spcAft>
+                <a:spcPts val="0"/>
+              </a:spcAft>
+              <a:buClr>
+                <a:schemeClr val="lt1"/>
+              </a:buClr>
+              <a:buSzPts val="4400"/>
+              <a:buFont typeface="Century Schoolbook"/>
+              <a:buNone/>
+            </a:pPr>
+            <a:r>
+              <a:rPr lang="fi-FI" dirty="0"/>
+              <a:t>Task 3</a:t>
+            </a:r>
+            <a:br>
+              <a:rPr lang="fi-FI" dirty="0"/>
+            </a:br>
+            <a:r>
+              <a:rPr lang="fi-FI" dirty="0"/>
+              <a:t>Quantifying goodness of fit</a:t>
+            </a:r>
+            <a:endParaRPr dirty="0">
+              <a:solidFill>
+                <a:schemeClr val="accent2"/>
+              </a:solidFill>
+            </a:endParaRPr>
+          </a:p>
+        </p:txBody>
+      </p:sp>
+      <p:sp>
+        <p:nvSpPr>
+          <p:cNvPr id="168" name="Google Shape;168;p9"/>
+          <p:cNvSpPr txBox="1">
+            <a:spLocks noGrp="1"/>
+          </p:cNvSpPr>
+          <p:nvPr>
+            <p:ph type="body" idx="1"/>
+          </p:nvPr>
+        </p:nvSpPr>
+        <p:spPr>
+          <a:xfrm>
+            <a:off x="1261872" y="1828800"/>
+            <a:ext cx="8595360" cy="4351337"/>
+          </a:xfrm>
+          <a:prstGeom prst="rect">
+            <a:avLst/>
+          </a:prstGeom>
+          <a:noFill/>
+          <a:ln>
+            <a:noFill/>
+          </a:ln>
+        </p:spPr>
+        <p:txBody>
+          <a:bodyPr spcFirstLastPara="1" wrap="square" lIns="91425" tIns="45700" rIns="91425" bIns="45700" anchor="t" anchorCtr="0">
+            <a:normAutofit/>
+          </a:bodyPr>
+          <a:lstStyle/>
+          <a:p>
+            <a:pPr marL="182880" lvl="0" indent="-91440" algn="l" rtl="0">
+              <a:lnSpc>
+                <a:spcPct val="95000"/>
+              </a:lnSpc>
+              <a:spcBef>
+                <a:spcPts val="0"/>
+              </a:spcBef>
+              <a:spcAft>
+                <a:spcPts val="0"/>
+              </a:spcAft>
+              <a:buSzPts val="1440"/>
+              <a:buNone/>
+            </a:pPr>
+            <a:endParaRPr dirty="0"/>
+          </a:p>
+        </p:txBody>
+      </p:sp>
+      <p:pic>
+        <p:nvPicPr>
+          <p:cNvPr id="3" name="Picture 2">
+            <a:extLst>
+              <a:ext uri="{FF2B5EF4-FFF2-40B4-BE49-F238E27FC236}">
+                <a16:creationId xmlns:a16="http://schemas.microsoft.com/office/drawing/2014/main" id="{86F9413E-9BE5-4BA4-A894-F640AD34124D}"/>
+              </a:ext>
+            </a:extLst>
+          </p:cNvPr>
+          <p:cNvPicPr>
+            <a:picLocks noChangeAspect="1"/>
+          </p:cNvPicPr>
+          <p:nvPr/>
+        </p:nvPicPr>
+        <p:blipFill>
+          <a:blip r:embed="rId3"/>
+          <a:srcRect/>
+          <a:stretch/>
+        </p:blipFill>
+        <p:spPr>
+          <a:xfrm>
+            <a:off x="2334768" y="1765712"/>
+            <a:ext cx="6303623" cy="4577144"/>
+          </a:xfrm>
+          <a:prstGeom prst="rect">
+            <a:avLst/>
+          </a:prstGeom>
+        </p:spPr>
+      </p:pic>
+    </p:spTree>
+    <p:extLst>
+      <p:ext uri="{BB962C8B-B14F-4D97-AF65-F5344CB8AC3E}">
+        <p14:creationId xmlns:p14="http://schemas.microsoft.com/office/powerpoint/2010/main" val="4100642063"/>
+      </p:ext>
+    </p:extLst>
+  </p:cSld>
+  <p:clrMapOvr>
+    <a:masterClrMapping/>
+  </p:clrMapOvr>
+</p:sld>
+</file>
+
+<file path=ppt/slides/slide11.xml><?xml version="1.0" encoding="utf-8"?>
+<p:sld xmlns:a="http://schemas.openxmlformats.org/drawingml/2006/main" xmlns:r="http://schemas.openxmlformats.org/officeDocument/2006/relationships" xmlns:p="http://schemas.openxmlformats.org/presentationml/2006/main">
+  <p:cSld>
+    <p:bg>
+      <p:bgPr>
+        <a:solidFill>
+          <a:srgbClr val="414141"/>
+        </a:solidFill>
+        <a:effectLst/>
+      </p:bgPr>
+    </p:bg>
+    <p:spTree>
+      <p:nvGrpSpPr>
         <p:cNvPr id="1" name="Shape 172"/>
         <p:cNvGrpSpPr/>
         <p:nvPr/>
@@ -5440,7 +6067,7 @@
 </p:sld>
 </file>
 
-<file path=ppt/slides/slide11.xml><?xml version="1.0" encoding="utf-8"?>
+<file path=ppt/slides/slide12.xml><?xml version="1.0" encoding="utf-8"?>
 <p:sld xmlns:a="http://schemas.openxmlformats.org/drawingml/2006/main" xmlns:r="http://schemas.openxmlformats.org/officeDocument/2006/relationships" xmlns:p="http://schemas.openxmlformats.org/presentationml/2006/main">
   <p:cSld>
     <p:bg>
@@ -5706,7 +6333,7 @@
 </p:sld>
 </file>
 
-<file path=ppt/slides/slide12.xml><?xml version="1.0" encoding="utf-8"?>
+<file path=ppt/slides/slide13.xml><?xml version="1.0" encoding="utf-8"?>
 <p:sld xmlns:a="http://schemas.openxmlformats.org/drawingml/2006/main" xmlns:r="http://schemas.openxmlformats.org/officeDocument/2006/relationships" xmlns:p="http://schemas.openxmlformats.org/presentationml/2006/main">
   <p:cSld>
     <p:bg>
@@ -6804,7 +7431,7 @@
             <a:r>
               <a:rPr lang="fi-FI" dirty="0">
                 <a:solidFill>
-                  <a:schemeClr val="bg1"/>
+                  <a:schemeClr val="accent2"/>
                 </a:solidFill>
                 <a:latin typeface="Century Schoolbook"/>
                 <a:ea typeface="Century Schoolbook"/>
@@ -6815,7 +7442,7 @@
             </a:r>
             <a:endParaRPr dirty="0">
               <a:solidFill>
-                <a:schemeClr val="bg1"/>
+                <a:schemeClr val="accent2"/>
               </a:solidFill>
               <a:latin typeface="Century Schoolbook"/>
               <a:ea typeface="Century Schoolbook"/>
@@ -7571,9 +8198,21 @@
             </a:pPr>
             <a:r>
               <a:rPr lang="fi-FI" dirty="0"/>
-              <a:t>Data sources/Technologies/Existing tools (alt.title? Resources?</a:t>
+              <a:t>Data sources/Technologies/Existing tools </a:t>
             </a:r>
-            <a:endParaRPr dirty="0"/>
+            <a:r>
+              <a:rPr lang="fi-FI" dirty="0">
+                <a:solidFill>
+                  <a:schemeClr val="accent2"/>
+                </a:solidFill>
+              </a:rPr>
+              <a:t>[alt.title? Resources?]</a:t>
+            </a:r>
+            <a:endParaRPr dirty="0">
+              <a:solidFill>
+                <a:schemeClr val="accent2"/>
+              </a:solidFill>
+            </a:endParaRPr>
           </a:p>
         </p:txBody>
       </p:sp>
@@ -8087,6 +8726,21 @@
               <a:rPr lang="fi-FI" dirty="0"/>
               <a:t>Original size reduced from 16.6 to 7.4 GB, over 1.5 million lines of text.</a:t>
             </a:r>
+          </a:p>
+          <a:p>
+            <a:pPr marL="914400" lvl="1" indent="-342900" algn="l" rtl="0">
+              <a:lnSpc>
+                <a:spcPct val="95000"/>
+              </a:lnSpc>
+              <a:spcBef>
+                <a:spcPts val="0"/>
+              </a:spcBef>
+              <a:spcAft>
+                <a:spcPts val="0"/>
+              </a:spcAft>
+              <a:buSzPts val="1800"/>
+              <a:buChar char="○"/>
+            </a:pPr>
             <a:endParaRPr dirty="0"/>
           </a:p>
           <a:p>
@@ -8107,6 +8761,21 @@
               <a:rPr lang="fi-FI" dirty="0"/>
               <a:t>Plotting the 30 most frequent words in the corpus</a:t>
             </a:r>
+          </a:p>
+          <a:p>
+            <a:pPr marL="457200" lvl="0" indent="-320040" algn="l" rtl="0">
+              <a:lnSpc>
+                <a:spcPct val="95000"/>
+              </a:lnSpc>
+              <a:spcBef>
+                <a:spcPts val="0"/>
+              </a:spcBef>
+              <a:spcAft>
+                <a:spcPts val="0"/>
+              </a:spcAft>
+              <a:buSzPts val="1440"/>
+              <a:buChar char="●"/>
+            </a:pPr>
             <a:endParaRPr dirty="0"/>
           </a:p>
           <a:p>
@@ -8144,6 +8813,21 @@
               <a:rPr lang="fi-FI" dirty="0"/>
               <a:t>Rank = The most frequent word’s rank is 1, second most frequent word’s rank is 2 and so on</a:t>
             </a:r>
+          </a:p>
+          <a:p>
+            <a:pPr marL="914400" lvl="1" indent="-342900" algn="l" rtl="0">
+              <a:lnSpc>
+                <a:spcPct val="95000"/>
+              </a:lnSpc>
+              <a:spcBef>
+                <a:spcPts val="0"/>
+              </a:spcBef>
+              <a:spcAft>
+                <a:spcPts val="0"/>
+              </a:spcAft>
+              <a:buSzPts val="1800"/>
+              <a:buChar char="○"/>
+            </a:pPr>
             <a:endParaRPr dirty="0"/>
           </a:p>
           <a:p>
@@ -8287,8 +8971,8 @@
         </p:nvSpPr>
         <p:spPr>
           <a:xfrm>
-            <a:off x="1261875" y="365750"/>
-            <a:ext cx="9692700" cy="609300"/>
+            <a:off x="1261872" y="184720"/>
+            <a:ext cx="9692700" cy="1150937"/>
           </a:xfrm>
           <a:prstGeom prst="rect">
             <a:avLst/>
@@ -8322,10 +9006,17 @@
               <a:buNone/>
             </a:pPr>
             <a:r>
-              <a:rPr lang="fi-FI"/>
-              <a:t>Results: Task 1</a:t>
+              <a:rPr lang="fi-FI" dirty="0"/>
+              <a:t>Task 1</a:t>
             </a:r>
-            <a:endParaRPr/>
+            <a:br>
+              <a:rPr lang="fi-FI" dirty="0"/>
+            </a:br>
+            <a:r>
+              <a:rPr lang="fi-FI" dirty="0"/>
+              <a:t>Frequency of most common words</a:t>
+            </a:r>
+            <a:endParaRPr dirty="0"/>
           </a:p>
         </p:txBody>
       </p:sp>
@@ -8391,8 +9082,8 @@
         </p:blipFill>
         <p:spPr>
           <a:xfrm>
-            <a:off x="1903937" y="1173050"/>
-            <a:ext cx="7311225" cy="5435575"/>
+            <a:off x="1903938" y="1487055"/>
+            <a:ext cx="7221590" cy="5121570"/>
           </a:xfrm>
           <a:prstGeom prst="rect">
             <a:avLst/>
@@ -8448,8 +9139,8 @@
         </p:nvSpPr>
         <p:spPr>
           <a:xfrm>
-            <a:off x="1261872" y="677863"/>
-            <a:ext cx="9692700" cy="708300"/>
+            <a:off x="1261872" y="203200"/>
+            <a:ext cx="9692700" cy="1182963"/>
           </a:xfrm>
           <a:prstGeom prst="rect">
             <a:avLst/>
@@ -8461,7 +9152,7 @@
         </p:spPr>
         <p:txBody>
           <a:bodyPr spcFirstLastPara="1" wrap="square" lIns="91425" tIns="45700" rIns="91425" bIns="45700" anchor="b" anchorCtr="0">
-            <a:normAutofit/>
+            <a:normAutofit fontScale="90000"/>
           </a:bodyPr>
           <a:lstStyle/>
           <a:p>
@@ -8484,7 +9175,14 @@
             </a:pPr>
             <a:r>
               <a:rPr lang="fi-FI" dirty="0"/>
-              <a:t>Results: Task 2</a:t>
+              <a:t>Task 2</a:t>
+            </a:r>
+            <a:br>
+              <a:rPr lang="fi-FI" dirty="0"/>
+            </a:br>
+            <a:r>
+              <a:rPr lang="fi-FI" dirty="0"/>
+              <a:t>Fitting Zipf’s law linearily</a:t>
             </a:r>
             <a:endParaRPr dirty="0"/>
           </a:p>
@@ -8636,8 +9334,8 @@
         </p:nvSpPr>
         <p:spPr>
           <a:xfrm>
-            <a:off x="1261872" y="365760"/>
-            <a:ext cx="9692640" cy="1325562"/>
+            <a:off x="1261872" y="129310"/>
+            <a:ext cx="9692640" cy="1324904"/>
           </a:xfrm>
           <a:prstGeom prst="rect">
             <a:avLst/>
@@ -8672,15 +9370,14 @@
             </a:pPr>
             <a:r>
               <a:rPr lang="fi-FI" dirty="0"/>
-              <a:t>Results: Task 3  </a:t>
+              <a:t>Task 3</a:t>
             </a:r>
+            <a:br>
+              <a:rPr lang="fi-FI" dirty="0"/>
+            </a:br>
             <a:r>
-              <a:rPr lang="fi-FI" dirty="0">
-                <a:solidFill>
-                  <a:schemeClr val="accent2"/>
-                </a:solidFill>
-              </a:rPr>
-              <a:t>[placeholder img]</a:t>
+              <a:rPr lang="fi-FI" dirty="0"/>
+              <a:t>Quantifying goodness of fit</a:t>
             </a:r>
             <a:endParaRPr dirty="0">
               <a:solidFill>
@@ -8757,8 +9454,8 @@
         </p:blipFill>
         <p:spPr>
           <a:xfrm>
-            <a:off x="2334768" y="1691322"/>
-            <a:ext cx="6301232" cy="4725924"/>
+            <a:off x="2334768" y="1765712"/>
+            <a:ext cx="6301232" cy="4577144"/>
           </a:xfrm>
           <a:prstGeom prst="rect">
             <a:avLst/>

--- a/docs/Project_Presentation.pptx
+++ b/docs/Project_Presentation.pptx
@@ -1883,7 +1883,10 @@
               </a:spcAft>
               <a:buNone/>
             </a:pPr>
-            <a:endParaRPr/>
+            <a:r>
+              <a:rPr lang="fi-FI" dirty="0"/>
+              <a:t>We used nltk python library’s corpus and FreqDist modules for loading the corpus and calculating frequency of words.</a:t>
+            </a:r>
           </a:p>
         </p:txBody>
       </p:sp>
@@ -1987,7 +1990,11 @@
               </a:spcAft>
               <a:buNone/>
             </a:pPr>
-            <a:endParaRPr/>
+            <a:r>
+              <a:rPr lang="fi-FI" dirty="0"/>
+              <a:t>When we plot word frequency in logarithmic scale, we can see that it follows approximately a linear presentation.</a:t>
+            </a:r>
+            <a:endParaRPr dirty="0"/>
           </a:p>
         </p:txBody>
       </p:sp>
@@ -2222,38 +2229,8 @@
                 <a:cs typeface="Century Schoolbook"/>
                 <a:sym typeface="Century Schoolbook"/>
               </a:rPr>
-              <a:t>) ~ log(Rank) and the fitted line can be seen as orange in the figure.</a:t>
+              <a:t>) ~ log(Rank)</a:t>
             </a:r>
-          </a:p>
-          <a:p>
-            <a:pPr marL="0" marR="0" lvl="0" indent="0" algn="l" defTabSz="914400" rtl="0" eaLnBrk="1" fontAlgn="auto" latinLnBrk="0" hangingPunct="1">
-              <a:lnSpc>
-                <a:spcPct val="100000"/>
-              </a:lnSpc>
-              <a:spcBef>
-                <a:spcPts val="0"/>
-              </a:spcBef>
-              <a:spcAft>
-                <a:spcPts val="0"/>
-              </a:spcAft>
-              <a:buClr>
-                <a:srgbClr val="000000"/>
-              </a:buClr>
-              <a:buSzPts val="1100"/>
-              <a:buFont typeface="Arial"/>
-              <a:buNone/>
-              <a:tabLst/>
-              <a:defRPr/>
-            </a:pPr>
-            <a:endParaRPr lang="en-US" sz="1100" dirty="0">
-              <a:solidFill>
-                <a:srgbClr val="FFFFFF"/>
-              </a:solidFill>
-              <a:latin typeface="Century Schoolbook"/>
-              <a:ea typeface="Century Schoolbook"/>
-              <a:cs typeface="Century Schoolbook"/>
-              <a:sym typeface="Century Schoolbook"/>
-            </a:endParaRPr>
           </a:p>
         </p:txBody>
       </p:sp>
@@ -6173,10 +6150,10 @@
             <a:r>
               <a:rPr lang="fi-FI" dirty="0">
                 <a:solidFill>
-                  <a:schemeClr val="accent2"/>
+                  <a:schemeClr val="bg1"/>
                 </a:solidFill>
               </a:rPr>
-              <a:t>[Miten kirjoittaisi task 3-4:stä?]</a:t>
+              <a:t>Unexpected results in task 3, possible reasons</a:t>
             </a:r>
           </a:p>
           <a:p>
@@ -6184,10 +6161,21 @@
             <a:r>
               <a:rPr lang="fi-FI" dirty="0">
                 <a:solidFill>
-                  <a:schemeClr val="accent2"/>
+                  <a:schemeClr val="bg1"/>
                 </a:solidFill>
               </a:rPr>
-              <a:t>Ratkaisut</a:t>
+              <a:t>There is something wrong in our code, need to further investigate this</a:t>
+            </a:r>
+          </a:p>
+          <a:p>
+            <a:pPr lvl="1"/>
+            <a:r>
+              <a:rPr lang="fi-FI" dirty="0">
+                <a:solidFill>
+                  <a:schemeClr val="bg1"/>
+                </a:solidFill>
+              </a:rPr>
+              <a:t>Our approach is wrong; linear regression is not the way to tackle this problem</a:t>
             </a:r>
           </a:p>
         </p:txBody>
@@ -6288,6 +6276,104 @@
                                           <p:spTgt spid="5">
                                             <p:txEl>
                                               <p:pRg st="2" end="2"/>
+                                            </p:txEl>
+                                          </p:spTgt>
+                                        </p:tgtEl>
+                                        <p:attrNameLst>
+                                          <p:attrName>style.visibility</p:attrName>
+                                        </p:attrNameLst>
+                                      </p:cBhvr>
+                                      <p:to>
+                                        <p:strVal val="visible"/>
+                                      </p:to>
+                                    </p:set>
+                                  </p:childTnLst>
+                                </p:cTn>
+                              </p:par>
+                            </p:childTnLst>
+                          </p:cTn>
+                        </p:par>
+                      </p:childTnLst>
+                    </p:cTn>
+                  </p:par>
+                  <p:par>
+                    <p:cTn id="11" fill="hold">
+                      <p:stCondLst>
+                        <p:cond delay="indefinite"/>
+                      </p:stCondLst>
+                      <p:childTnLst>
+                        <p:par>
+                          <p:cTn id="12" fill="hold">
+                            <p:stCondLst>
+                              <p:cond delay="0"/>
+                            </p:stCondLst>
+                            <p:childTnLst>
+                              <p:par>
+                                <p:cTn id="13" presetID="1" presetClass="entr" presetSubtype="0" fill="hold" nodeType="clickEffect">
+                                  <p:stCondLst>
+                                    <p:cond delay="0"/>
+                                  </p:stCondLst>
+                                  <p:childTnLst>
+                                    <p:set>
+                                      <p:cBhvr>
+                                        <p:cTn id="14" dur="1" fill="hold">
+                                          <p:stCondLst>
+                                            <p:cond delay="0"/>
+                                          </p:stCondLst>
+                                        </p:cTn>
+                                        <p:tgtEl>
+                                          <p:spTgt spid="5">
+                                            <p:txEl>
+                                              <p:pRg st="5" end="5"/>
+                                            </p:txEl>
+                                          </p:spTgt>
+                                        </p:tgtEl>
+                                        <p:attrNameLst>
+                                          <p:attrName>style.visibility</p:attrName>
+                                        </p:attrNameLst>
+                                      </p:cBhvr>
+                                      <p:to>
+                                        <p:strVal val="visible"/>
+                                      </p:to>
+                                    </p:set>
+                                  </p:childTnLst>
+                                </p:cTn>
+                              </p:par>
+                            </p:childTnLst>
+                          </p:cTn>
+                        </p:par>
+                      </p:childTnLst>
+                    </p:cTn>
+                  </p:par>
+                  <p:par>
+                    <p:cTn id="15" fill="hold">
+                      <p:stCondLst>
+                        <p:cond delay="indefinite"/>
+                      </p:stCondLst>
+                      <p:childTnLst>
+                        <p:par>
+                          <p:cTn id="16" fill="hold">
+                            <p:stCondLst>
+                              <p:cond delay="0"/>
+                            </p:stCondLst>
+                            <p:childTnLst>
+                              <p:par>
+                                <p:cTn id="17" presetID="1" presetClass="entr" presetSubtype="0" fill="hold" nodeType="clickEffect">
+                                  <p:stCondLst>
+                                    <p:cond delay="0"/>
+                                  </p:stCondLst>
+                                  <p:childTnLst>
+                                    <p:set>
+                                      <p:cBhvr>
+                                        <p:cTn id="18" dur="1" fill="hold">
+                                          <p:stCondLst>
+                                            <p:cond delay="0"/>
+                                          </p:stCondLst>
+                                        </p:cTn>
+                                        <p:tgtEl>
+                                          <p:spTgt spid="5">
+                                            <p:txEl>
+                                              <p:pRg st="6" end="6"/>
                                             </p:txEl>
                                           </p:spTgt>
                                         </p:tgtEl>
@@ -7952,6 +8038,14 @@
             <a:r>
               <a:rPr lang="fi-FI" dirty="0">
                 <a:solidFill>
+                  <a:schemeClr val="bg1"/>
+                </a:solidFill>
+              </a:rPr>
+              <a:t>Project leader, </a:t>
+            </a:r>
+            <a:r>
+              <a:rPr lang="fi-FI" dirty="0">
+                <a:solidFill>
                   <a:schemeClr val="accent2"/>
                 </a:solidFill>
               </a:rPr>
@@ -7996,14 +8090,14 @@
             <a:r>
               <a:rPr lang="fi-FI" dirty="0">
                 <a:solidFill>
-                  <a:schemeClr val="accent2"/>
+                  <a:schemeClr val="bg1"/>
                 </a:solidFill>
               </a:rPr>
-              <a:t>[Task 3?, documentation]</a:t>
+              <a:t>Task 3, documentation</a:t>
             </a:r>
             <a:endParaRPr dirty="0">
               <a:solidFill>
-                <a:schemeClr val="accent2"/>
+                <a:schemeClr val="bg1"/>
               </a:solidFill>
             </a:endParaRPr>
           </a:p>
@@ -8040,14 +8134,14 @@
             <a:r>
               <a:rPr lang="fi-FI" dirty="0">
                 <a:solidFill>
-                  <a:schemeClr val="accent2"/>
+                  <a:schemeClr val="bg1"/>
                 </a:solidFill>
               </a:rPr>
-              <a:t>[Task 4, documentation]</a:t>
+              <a:t>Task 4, documentation</a:t>
             </a:r>
             <a:endParaRPr dirty="0">
               <a:solidFill>
-                <a:schemeClr val="accent2"/>
+                <a:schemeClr val="bg1"/>
               </a:solidFill>
             </a:endParaRPr>
           </a:p>
@@ -9182,7 +9276,7 @@
             </a:br>
             <a:r>
               <a:rPr lang="fi-FI" dirty="0"/>
-              <a:t>Fitting Zipf’s law linearily</a:t>
+              <a:t>Fitting Zipf’s law linearly</a:t>
             </a:r>
             <a:endParaRPr dirty="0"/>
           </a:p>
